--- a/Presentation/LBG-AVDBicep-Day2.pptx
+++ b/Presentation/LBG-AVDBicep-Day2.pptx
@@ -5,10 +5,10 @@
     <p:sldMasterId id="2147484229" r:id="rId4"/>
   </p:sldMasterIdLst>
   <p:notesMasterIdLst>
-    <p:notesMasterId r:id="rId21"/>
+    <p:notesMasterId r:id="rId23"/>
   </p:notesMasterIdLst>
   <p:handoutMasterIdLst>
-    <p:handoutMasterId r:id="rId22"/>
+    <p:handoutMasterId r:id="rId24"/>
   </p:handoutMasterIdLst>
   <p:sldIdLst>
     <p:sldId id="2076138452" r:id="rId5"/>
@@ -20,13 +20,15 @@
     <p:sldId id="2076138489" r:id="rId11"/>
     <p:sldId id="2076138479" r:id="rId12"/>
     <p:sldId id="2076138491" r:id="rId13"/>
-    <p:sldId id="2076138492" r:id="rId14"/>
-    <p:sldId id="2076138480" r:id="rId15"/>
-    <p:sldId id="2076138493" r:id="rId16"/>
-    <p:sldId id="2076138481" r:id="rId17"/>
-    <p:sldId id="2076138490" r:id="rId18"/>
-    <p:sldId id="2076138497" r:id="rId19"/>
-    <p:sldId id="2076138482" r:id="rId20"/>
+    <p:sldId id="2076138496" r:id="rId14"/>
+    <p:sldId id="2076138498" r:id="rId15"/>
+    <p:sldId id="2076138492" r:id="rId16"/>
+    <p:sldId id="2076138480" r:id="rId17"/>
+    <p:sldId id="2076138493" r:id="rId18"/>
+    <p:sldId id="2076138481" r:id="rId19"/>
+    <p:sldId id="2076138490" r:id="rId20"/>
+    <p:sldId id="2076138497" r:id="rId21"/>
+    <p:sldId id="2076138482" r:id="rId22"/>
   </p:sldIdLst>
   <p:sldSz cx="12192000" cy="6858000"/>
   <p:notesSz cx="6858000" cy="9144000"/>
@@ -250,7 +252,7 @@
               <a:rPr lang="en-US" smtClean="0">
                 <a:latin typeface="Segoe UI" pitchFamily="34" charset="0"/>
               </a:rPr>
-              <a:t>3/16/2023 9:06 AM</a:t>
+              <a:t>3/23/2023 3:41 PM</a:t>
             </a:fld>
             <a:endParaRPr lang="en-US" dirty="0">
               <a:latin typeface="Segoe UI" pitchFamily="34" charset="0"/>
@@ -528,7 +530,7 @@
           <a:p>
             <a:fld id="{386CE63F-9E7F-4C04-9D0D-FCA25A8E9E86}" type="datetime8">
               <a:rPr lang="en-US" smtClean="0"/>
-              <a:t>3/16/2023 9:06 AM</a:t>
+              <a:t>3/23/2023 3:41 PM</a:t>
             </a:fld>
             <a:endParaRPr lang="en-US" dirty="0"/>
           </a:p>
@@ -895,7 +897,7 @@
           <a:p>
             <a:fld id="{62C61DAB-D93E-49CA-B245-379601CFE8D0}" type="datetime8">
               <a:rPr lang="en-US" smtClean="0"/>
-              <a:t>3/16/2023 9:06 AM</a:t>
+              <a:t>3/23/2023 3:41 PM</a:t>
             </a:fld>
             <a:endParaRPr lang="en-US" dirty="0"/>
           </a:p>
@@ -1060,7 +1062,7 @@
           <a:p>
             <a:fld id="{62C61DAB-D93E-49CA-B245-379601CFE8D0}" type="datetime8">
               <a:rPr lang="en-US" smtClean="0"/>
-              <a:t>3/16/2023 9:06 AM</a:t>
+              <a:t>3/23/2023 3:41 PM</a:t>
             </a:fld>
             <a:endParaRPr lang="en-US" dirty="0"/>
           </a:p>
@@ -1084,7 +1086,7 @@
             <a:fld id="{B4008EB6-D09E-4580-8CD6-DDB14511944F}" type="slidenum">
               <a:rPr lang="en-US" smtClean="0"/>
               <a:pPr/>
-              <a:t>16</a:t>
+              <a:t>18</a:t>
             </a:fld>
             <a:endParaRPr lang="en-US" dirty="0"/>
           </a:p>
@@ -55612,7 +55614,7 @@
           <p:cNvPr id="2" name="Title 1">
             <a:extLst>
               <a:ext uri="{FF2B5EF4-FFF2-40B4-BE49-F238E27FC236}">
-                <a16:creationId xmlns:a16="http://schemas.microsoft.com/office/drawing/2014/main" id="{2731C5BF-2587-AA43-8D00-4B95D90A112D}"/>
+                <a16:creationId xmlns:a16="http://schemas.microsoft.com/office/drawing/2014/main" id="{45124734-FB95-A835-30B7-B8CDC6BE1E64}"/>
               </a:ext>
             </a:extLst>
           </p:cNvPr>
@@ -55629,8 +55631,8 @@
           <a:lstStyle/>
           <a:p>
             <a:r>
-              <a:rPr lang="en-US" sz="2800" dirty="0"/>
-              <a:t>Testing</a:t>
+              <a:rPr lang="en-GB" sz="2400" dirty="0"/>
+              <a:t>Lab 3 - Deploying your Bicep</a:t>
             </a:r>
           </a:p>
         </p:txBody>
@@ -55640,7 +55642,7 @@
           <p:cNvPr id="3" name="Text Placeholder 2">
             <a:extLst>
               <a:ext uri="{FF2B5EF4-FFF2-40B4-BE49-F238E27FC236}">
-                <a16:creationId xmlns:a16="http://schemas.microsoft.com/office/drawing/2014/main" id="{F39D18C1-892E-774C-A583-DD3BE9301A12}"/>
+                <a16:creationId xmlns:a16="http://schemas.microsoft.com/office/drawing/2014/main" id="{67298A08-5B4B-C9D0-F259-39415C03F45B}"/>
               </a:ext>
             </a:extLst>
           </p:cNvPr>
@@ -55660,8 +55662,8 @@
               <a:buNone/>
             </a:pPr>
             <a:r>
-              <a:rPr lang="en-US" sz="2000" b="1" dirty="0"/>
-              <a:t>Testing your AVD</a:t>
+              <a:rPr lang="en-GB" sz="2400" b="1" dirty="0"/>
+              <a:t>Deploying AVD</a:t>
             </a:r>
           </a:p>
           <a:p>
@@ -55669,54 +55671,94 @@
               <a:buNone/>
             </a:pPr>
             <a:r>
-              <a:rPr lang="en-US" sz="2000" dirty="0"/>
-              <a:t>Make sure of the following:</a:t>
-            </a:r>
-          </a:p>
-          <a:p>
-            <a:pPr marL="457200" indent="-457200">
-              <a:buFont typeface="+mj-lt"/>
-              <a:buAutoNum type="arabicPeriod"/>
+              <a:rPr lang="en-GB" sz="2000" dirty="0"/>
+              <a:t>You will be a dab hand at this by now.  But as this is a new day, you may need to log back in to Azure</a:t>
+            </a:r>
+          </a:p>
+          <a:p>
+            <a:pPr marL="0" indent="0">
+              <a:buNone/>
             </a:pPr>
             <a:r>
-              <a:rPr lang="en-US" sz="2000" dirty="0"/>
-              <a:t>You have hosts up and running</a:t>
-            </a:r>
-          </a:p>
-          <a:p>
-            <a:pPr marL="457200" indent="-457200">
-              <a:buFont typeface="+mj-lt"/>
-              <a:buAutoNum type="arabicPeriod"/>
+              <a:rPr lang="en-GB" sz="2000" dirty="0"/>
+              <a:t>As before, the script takes several parameters but now </a:t>
+            </a:r>
+            <a:r>
+              <a:rPr lang="en-GB" sz="2000" b="1" dirty="0"/>
+              <a:t>two</a:t>
+            </a:r>
+            <a:r>
+              <a:rPr lang="en-GB" sz="2000" dirty="0"/>
+              <a:t> are mandatory.</a:t>
+            </a:r>
+          </a:p>
+          <a:p>
+            <a:pPr marL="0" indent="0">
+              <a:buNone/>
             </a:pPr>
             <a:r>
-              <a:rPr lang="en-US" sz="2000" dirty="0"/>
-              <a:t>The hosts are visible in the host pool</a:t>
-            </a:r>
-          </a:p>
-          <a:p>
-            <a:pPr marL="457200" indent="-457200">
-              <a:buFont typeface="+mj-lt"/>
-              <a:buAutoNum type="arabicPeriod"/>
+              <a:rPr lang="en-GB" sz="1800" b="1" i="1" dirty="0"/>
+              <a:t>.\deploy.ps1 -</a:t>
+            </a:r>
+            <a:r>
+              <a:rPr lang="en-GB" sz="1800" b="1" i="1" dirty="0" err="1"/>
+              <a:t>uniqueIdentifier</a:t>
+            </a:r>
+            <a:r>
+              <a:rPr lang="en-GB" sz="1800" b="1" i="1" dirty="0"/>
+              <a:t> “Provided unique ID" -</a:t>
+            </a:r>
+            <a:r>
+              <a:rPr lang="en-GB" sz="1800" b="1" i="1" dirty="0" err="1"/>
+              <a:t>avdVnetCIDR</a:t>
+            </a:r>
+            <a:r>
+              <a:rPr lang="en-GB" sz="1800" b="1" i="1" dirty="0"/>
+              <a:t> "provided CIDR“</a:t>
+            </a:r>
+          </a:p>
+          <a:p>
+            <a:pPr marL="0" indent="0">
+              <a:buNone/>
             </a:pPr>
-            <a:r>
-              <a:rPr lang="en-US" sz="2000" dirty="0"/>
-              <a:t>The RBAC permissions have been set in the Application Group</a:t>
-            </a:r>
-          </a:p>
-          <a:p>
-            <a:pPr marL="457200" indent="-457200">
-              <a:buFont typeface="+mj-lt"/>
-              <a:buAutoNum type="arabicPeriod"/>
+            <a:endParaRPr lang="en-GB" sz="1800" dirty="0"/>
+          </a:p>
+          <a:p>
+            <a:pPr marL="0" indent="0">
+              <a:buNone/>
             </a:pPr>
-            <a:endParaRPr lang="en-US" sz="2000" dirty="0"/>
+            <a:r>
+              <a:rPr lang="en-GB" sz="1800" dirty="0"/>
+              <a:t>Notes:</a:t>
+            </a:r>
           </a:p>
           <a:p>
             <a:pPr marL="0" indent="0">
               <a:buNone/>
             </a:pPr>
             <a:r>
-              <a:rPr lang="en-US" sz="2000" dirty="0"/>
-              <a:t>Then connect to:</a:t>
+              <a:rPr lang="en-GB" sz="1800" b="1" u="sng" dirty="0"/>
+              <a:t>Always</a:t>
+            </a:r>
+            <a:r>
+              <a:rPr lang="en-GB" sz="1800" dirty="0"/>
+              <a:t> use the same </a:t>
+            </a:r>
+            <a:r>
+              <a:rPr lang="en-GB" sz="1800" b="1" dirty="0"/>
+              <a:t>CIDR</a:t>
+            </a:r>
+            <a:r>
+              <a:rPr lang="en-GB" sz="1800" dirty="0"/>
+              <a:t> and </a:t>
+            </a:r>
+            <a:r>
+              <a:rPr lang="en-GB" sz="1800" b="1" dirty="0"/>
+              <a:t>Unique ID </a:t>
+            </a:r>
+            <a:r>
+              <a:rPr lang="en-GB" sz="1800" dirty="0"/>
+              <a:t>when deploying to avoid conflicts.</a:t>
             </a:r>
           </a:p>
           <a:p>
@@ -55724,67 +55766,16 @@
               <a:buNone/>
             </a:pPr>
             <a:r>
-              <a:rPr lang="en-US" sz="2000" dirty="0">
-                <a:hlinkClick r:id="rId2"/>
-              </a:rPr>
-              <a:t>https://client.wvd.microsoft.com/arm/webclient/index.html</a:t>
-            </a:r>
-            <a:r>
-              <a:rPr lang="en-US" sz="2000" dirty="0"/>
-              <a:t> </a:t>
-            </a:r>
-          </a:p>
-          <a:p>
-            <a:pPr marL="0" indent="0">
-              <a:buNone/>
-            </a:pPr>
-            <a:endParaRPr lang="en-US" sz="2000" dirty="0"/>
-          </a:p>
-          <a:p>
-            <a:pPr marL="0" indent="0">
-              <a:buNone/>
-            </a:pPr>
-            <a:r>
-              <a:rPr lang="en-US" sz="2000" dirty="0"/>
-              <a:t>You will be asked to log in – use the same credentials as you used for building.</a:t>
-            </a:r>
-          </a:p>
-          <a:p>
-            <a:pPr marL="0" indent="0">
-              <a:buNone/>
-            </a:pPr>
-            <a:r>
-              <a:rPr lang="en-US" sz="2000" dirty="0"/>
-              <a:t>If all was successful you will see a Workspace with a icon for “</a:t>
-            </a:r>
-            <a:r>
-              <a:rPr lang="en-US" sz="2000" dirty="0" err="1"/>
-              <a:t>SessionDesktop</a:t>
-            </a:r>
-            <a:r>
-              <a:rPr lang="en-US" sz="2000" dirty="0"/>
-              <a:t>”.  Click on it and log in.</a:t>
-            </a:r>
-          </a:p>
-          <a:p>
-            <a:pPr marL="457200" indent="-457200">
-              <a:buFont typeface="+mj-lt"/>
-              <a:buAutoNum type="arabicPeriod"/>
-            </a:pPr>
-            <a:endParaRPr lang="en-US" sz="2000" dirty="0"/>
-          </a:p>
-          <a:p>
-            <a:pPr marL="0" indent="0">
-              <a:buNone/>
-            </a:pPr>
-            <a:endParaRPr lang="en-US" sz="2000" dirty="0"/>
+              <a:rPr lang="en-GB" sz="1800" dirty="0"/>
+              <a:t>To save time, take a look at the README.md – it provides examples of some of the other parameters.</a:t>
+            </a:r>
           </a:p>
         </p:txBody>
       </p:sp>
     </p:spTree>
     <p:extLst>
       <p:ext uri="{BB962C8B-B14F-4D97-AF65-F5344CB8AC3E}">
-        <p14:creationId xmlns:p14="http://schemas.microsoft.com/office/powerpoint/2010/main" val="1610496519"/>
+        <p14:creationId xmlns:p14="http://schemas.microsoft.com/office/powerpoint/2010/main" val="248622134"/>
       </p:ext>
     </p:extLst>
   </p:cSld>
@@ -55819,7 +55810,7 @@
           <p:cNvPr id="2" name="Title 1">
             <a:extLst>
               <a:ext uri="{FF2B5EF4-FFF2-40B4-BE49-F238E27FC236}">
-                <a16:creationId xmlns:a16="http://schemas.microsoft.com/office/drawing/2014/main" id="{E9669AEF-D865-0342-AB7E-7902F83D5504}"/>
+                <a16:creationId xmlns:a16="http://schemas.microsoft.com/office/drawing/2014/main" id="{2731C5BF-2587-AA43-8D00-4B95D90A112D}"/>
               </a:ext>
             </a:extLst>
           </p:cNvPr>
@@ -55830,29 +55821,14 @@
             <p:ph type="title"/>
           </p:nvPr>
         </p:nvSpPr>
-        <p:spPr>
-          <a:xfrm>
-            <a:off x="588263" y="585788"/>
-            <a:ext cx="4894962" cy="5683250"/>
-          </a:xfrm>
-        </p:spPr>
-        <p:txBody>
-          <a:bodyPr anchor="ctr">
-            <a:noAutofit/>
-          </a:bodyPr>
+        <p:spPr/>
+        <p:txBody>
+          <a:bodyPr/>
           <a:lstStyle/>
           <a:p>
-            <a:pPr algn="ctr"/>
             <a:r>
               <a:rPr lang="en-US" sz="2800" dirty="0"/>
-              <a:t>Lunch</a:t>
-            </a:r>
-            <a:br>
-              <a:rPr lang="en-US" sz="2800" dirty="0"/>
-            </a:br>
-            <a:r>
-              <a:rPr lang="en-US" sz="2800" dirty="0"/>
-              <a:t>Back in 1 hour</a:t>
+              <a:t>Lab 4 - AVD Hosts</a:t>
             </a:r>
           </a:p>
         </p:txBody>
@@ -55862,7 +55838,7 @@
           <p:cNvPr id="3" name="Text Placeholder 2">
             <a:extLst>
               <a:ext uri="{FF2B5EF4-FFF2-40B4-BE49-F238E27FC236}">
-                <a16:creationId xmlns:a16="http://schemas.microsoft.com/office/drawing/2014/main" id="{E243B9F1-DC42-0949-BC92-F7DEEDE03CC7}"/>
+                <a16:creationId xmlns:a16="http://schemas.microsoft.com/office/drawing/2014/main" id="{F39D18C1-892E-774C-A583-DD3BE9301A12}"/>
               </a:ext>
             </a:extLst>
           </p:cNvPr>
@@ -55875,22 +55851,85 @@
         </p:nvSpPr>
         <p:spPr/>
         <p:txBody>
-          <a:bodyPr tIns="0" anchor="ctr">
-            <a:noAutofit/>
-          </a:bodyPr>
+          <a:bodyPr/>
           <a:lstStyle/>
           <a:p>
-            <a:r>
-              <a:rPr lang="en-GB" sz="2000" dirty="0"/>
-              <a:t>"Using Azure Bicep is like having a sous chef for your cloud infrastructure. It takes care of the heavy lifting, so you can focus on the creative aspects of building your application. Just don't let it near your recipe book - you never know what kind of cloud-native concoctions it might come up with!"</a:t>
-            </a:r>
+            <a:pPr marL="0" indent="0">
+              <a:buNone/>
+            </a:pPr>
+            <a:r>
+              <a:rPr lang="en-US" sz="2000" b="1" dirty="0"/>
+              <a:t>And finally, the action</a:t>
+            </a:r>
+          </a:p>
+          <a:p>
+            <a:pPr marL="0" indent="0">
+              <a:buNone/>
+            </a:pPr>
+            <a:r>
+              <a:rPr lang="en-US" sz="2000" dirty="0"/>
+              <a:t>You have worked hard to get to this point, now we just need to add some compute and a touch of configuration.  So in this Lab we will be doing the following:</a:t>
+            </a:r>
+          </a:p>
+          <a:p>
+            <a:pPr marL="457200" indent="-457200">
+              <a:buFont typeface="+mj-lt"/>
+              <a:buAutoNum type="arabicPeriod"/>
+            </a:pPr>
+            <a:r>
+              <a:rPr lang="en-US" sz="2000" dirty="0"/>
+              <a:t>Deploying some hosts</a:t>
+            </a:r>
+          </a:p>
+          <a:p>
+            <a:pPr marL="457200" indent="-457200">
+              <a:buFont typeface="+mj-lt"/>
+              <a:buAutoNum type="arabicPeriod"/>
+            </a:pPr>
+            <a:r>
+              <a:rPr lang="en-US" sz="2000" dirty="0"/>
+              <a:t>Connecting them to AD / AADDS</a:t>
+            </a:r>
+          </a:p>
+          <a:p>
+            <a:pPr marL="457200" indent="-457200">
+              <a:buFont typeface="+mj-lt"/>
+              <a:buAutoNum type="arabicPeriod"/>
+            </a:pPr>
+            <a:r>
+              <a:rPr lang="en-US" sz="2000" dirty="0"/>
+              <a:t>Running up some basic extensions</a:t>
+            </a:r>
+          </a:p>
+          <a:p>
+            <a:pPr marL="457200" indent="-457200">
+              <a:buFont typeface="+mj-lt"/>
+              <a:buAutoNum type="arabicPeriod"/>
+            </a:pPr>
+            <a:r>
+              <a:rPr lang="en-US" sz="2000" dirty="0"/>
+              <a:t>Logging into a desktop</a:t>
+            </a:r>
+          </a:p>
+          <a:p>
+            <a:pPr marL="457200" indent="-457200">
+              <a:buFont typeface="+mj-lt"/>
+              <a:buAutoNum type="arabicPeriod"/>
+            </a:pPr>
+            <a:endParaRPr lang="en-US" sz="2000" dirty="0"/>
+          </a:p>
+          <a:p>
+            <a:pPr marL="0" indent="0">
+              <a:buNone/>
+            </a:pPr>
+            <a:endParaRPr lang="en-US" sz="2000" dirty="0"/>
           </a:p>
         </p:txBody>
       </p:sp>
     </p:spTree>
     <p:extLst>
       <p:ext uri="{BB962C8B-B14F-4D97-AF65-F5344CB8AC3E}">
-        <p14:creationId xmlns:p14="http://schemas.microsoft.com/office/powerpoint/2010/main" val="2324441626"/>
+        <p14:creationId xmlns:p14="http://schemas.microsoft.com/office/powerpoint/2010/main" val="754125961"/>
       </p:ext>
     </p:extLst>
   </p:cSld>
@@ -55941,10 +55980,9 @@
           <a:bodyPr/>
           <a:lstStyle/>
           <a:p>
-            <a:pPr algn="ctr"/>
-            <a:r>
-              <a:rPr lang="en-US" sz="2400" dirty="0"/>
-              <a:t>Demos and Discussions</a:t>
+            <a:r>
+              <a:rPr lang="en-US" sz="2800" dirty="0"/>
+              <a:t>Testing</a:t>
             </a:r>
           </a:p>
         </p:txBody>
@@ -55975,7 +56013,7 @@
             </a:pPr>
             <a:r>
               <a:rPr lang="en-US" sz="2000" b="1" dirty="0"/>
-              <a:t>Over to you</a:t>
+              <a:t>Testing your AVD</a:t>
             </a:r>
           </a:p>
           <a:p>
@@ -55984,45 +56022,38 @@
             </a:pPr>
             <a:r>
               <a:rPr lang="en-US" sz="2000" dirty="0"/>
-              <a:t>For the rest of the afternoon, we can look at any other elements of AVD that you want to cover.</a:t>
-            </a:r>
-          </a:p>
-          <a:p>
-            <a:pPr marL="0" indent="0">
-              <a:buNone/>
+              <a:t>Make sure of the following:</a:t>
+            </a:r>
+          </a:p>
+          <a:p>
+            <a:pPr marL="457200" indent="-457200">
+              <a:buFont typeface="+mj-lt"/>
+              <a:buAutoNum type="arabicPeriod"/>
             </a:pPr>
             <a:r>
               <a:rPr lang="en-US" sz="2000" dirty="0"/>
-              <a:t>Examples include:</a:t>
-            </a:r>
-          </a:p>
-          <a:p>
+              <a:t>You have hosts up and running</a:t>
+            </a:r>
+          </a:p>
+          <a:p>
+            <a:pPr marL="457200" indent="-457200">
+              <a:buFont typeface="+mj-lt"/>
+              <a:buAutoNum type="arabicPeriod"/>
+            </a:pPr>
             <a:r>
               <a:rPr lang="en-US" sz="2000" dirty="0"/>
-              <a:t>Using a DevOps pipeline to deploy your code</a:t>
-            </a:r>
-          </a:p>
-          <a:p>
-            <a:r>
-              <a:rPr lang="en-US" sz="2000" dirty="0" err="1"/>
-              <a:t>FSLogix</a:t>
-            </a:r>
-            <a:endParaRPr lang="en-US" sz="2000" dirty="0"/>
-          </a:p>
-          <a:p>
+              <a:t>The hosts are visible in the host pool</a:t>
+            </a:r>
+          </a:p>
+          <a:p>
+            <a:pPr marL="457200" indent="-457200">
+              <a:buFont typeface="+mj-lt"/>
+              <a:buAutoNum type="arabicPeriod"/>
+            </a:pPr>
             <a:r>
               <a:rPr lang="en-US" sz="2000" dirty="0"/>
-              <a:t>Walk through of the full code base</a:t>
-            </a:r>
-          </a:p>
-          <a:p>
-            <a:endParaRPr lang="en-US" sz="2000" dirty="0"/>
-          </a:p>
-          <a:p>
-            <a:pPr marL="0" indent="0">
-              <a:buNone/>
-            </a:pPr>
-            <a:endParaRPr lang="en-US" sz="2000" dirty="0"/>
+              <a:t>The RBAC permissions have been set in the Application Group</a:t>
+            </a:r>
           </a:p>
           <a:p>
             <a:pPr marL="457200" indent="-457200">
@@ -56035,6 +56066,69 @@
             <a:pPr marL="0" indent="0">
               <a:buNone/>
             </a:pPr>
+            <a:r>
+              <a:rPr lang="en-US" sz="2000" dirty="0"/>
+              <a:t>Then connect to:</a:t>
+            </a:r>
+          </a:p>
+          <a:p>
+            <a:pPr marL="0" indent="0">
+              <a:buNone/>
+            </a:pPr>
+            <a:r>
+              <a:rPr lang="en-US" sz="2000" dirty="0">
+                <a:hlinkClick r:id="rId2"/>
+              </a:rPr>
+              <a:t>https://client.wvd.microsoft.com/arm/webclient/index.html</a:t>
+            </a:r>
+            <a:r>
+              <a:rPr lang="en-US" sz="2000" dirty="0"/>
+              <a:t> </a:t>
+            </a:r>
+          </a:p>
+          <a:p>
+            <a:pPr marL="0" indent="0">
+              <a:buNone/>
+            </a:pPr>
+            <a:endParaRPr lang="en-US" sz="2000" dirty="0"/>
+          </a:p>
+          <a:p>
+            <a:pPr marL="0" indent="0">
+              <a:buNone/>
+            </a:pPr>
+            <a:r>
+              <a:rPr lang="en-US" sz="2000" dirty="0"/>
+              <a:t>You will be asked to log in – use the same credentials as you used for building.</a:t>
+            </a:r>
+          </a:p>
+          <a:p>
+            <a:pPr marL="0" indent="0">
+              <a:buNone/>
+            </a:pPr>
+            <a:r>
+              <a:rPr lang="en-US" sz="2000" dirty="0"/>
+              <a:t>If all was successful you will see a Workspace with a icon for “</a:t>
+            </a:r>
+            <a:r>
+              <a:rPr lang="en-US" sz="2000" dirty="0" err="1"/>
+              <a:t>SessionDesktop</a:t>
+            </a:r>
+            <a:r>
+              <a:rPr lang="en-US" sz="2000" dirty="0"/>
+              <a:t>”.  Click on it and log in.</a:t>
+            </a:r>
+          </a:p>
+          <a:p>
+            <a:pPr marL="457200" indent="-457200">
+              <a:buFont typeface="+mj-lt"/>
+              <a:buAutoNum type="arabicPeriod"/>
+            </a:pPr>
+            <a:endParaRPr lang="en-US" sz="2000" dirty="0"/>
+          </a:p>
+          <a:p>
+            <a:pPr marL="0" indent="0">
+              <a:buNone/>
+            </a:pPr>
             <a:endParaRPr lang="en-US" sz="2000" dirty="0"/>
           </a:p>
         </p:txBody>
@@ -56042,7 +56136,7 @@
     </p:spTree>
     <p:extLst>
       <p:ext uri="{BB962C8B-B14F-4D97-AF65-F5344CB8AC3E}">
-        <p14:creationId xmlns:p14="http://schemas.microsoft.com/office/powerpoint/2010/main" val="925315993"/>
+        <p14:creationId xmlns:p14="http://schemas.microsoft.com/office/powerpoint/2010/main" val="1610496519"/>
       </p:ext>
     </p:extLst>
   </p:cSld>
@@ -56103,14 +56197,14 @@
             <a:pPr algn="ctr"/>
             <a:r>
               <a:rPr lang="en-US" sz="2800" dirty="0"/>
-              <a:t>Break</a:t>
+              <a:t>Lunch</a:t>
             </a:r>
             <a:br>
               <a:rPr lang="en-US" sz="2800" dirty="0"/>
             </a:br>
             <a:r>
               <a:rPr lang="en-US" sz="2800" dirty="0"/>
-              <a:t>Back in 15 mins</a:t>
+              <a:t>Back in 1 hour</a:t>
             </a:r>
           </a:p>
         </p:txBody>
@@ -56140,22 +56234,15 @@
           <a:p>
             <a:r>
               <a:rPr lang="en-GB" sz="2000" dirty="0"/>
-              <a:t>"Using Azure Bicep is like a carpenter using power tools for the first time. It can be scary at first, but once you get the hang of it, you'll wonder how you ever managed without it. And just like with power tools, you'll want to make sure you wear your safety glasses and have a first-aid kit handy!“</a:t>
-            </a:r>
-          </a:p>
-          <a:p>
-            <a:r>
-              <a:rPr lang="en-GB" sz="1400" dirty="0"/>
-              <a:t>Mark Russinovich, CTO of Microsoft Azure</a:t>
-            </a:r>
-            <a:endParaRPr lang="en-GB" sz="2000" dirty="0"/>
+              <a:t>"Using Azure Bicep is like having a sous chef for your cloud infrastructure. It takes care of the heavy lifting, so you can focus on the creative aspects of building your application. Just don't let it near your recipe book - you never know what kind of cloud-native concoctions it might come up with!"</a:t>
+            </a:r>
           </a:p>
         </p:txBody>
       </p:sp>
     </p:spTree>
     <p:extLst>
       <p:ext uri="{BB962C8B-B14F-4D97-AF65-F5344CB8AC3E}">
-        <p14:creationId xmlns:p14="http://schemas.microsoft.com/office/powerpoint/2010/main" val="3474494383"/>
+        <p14:creationId xmlns:p14="http://schemas.microsoft.com/office/powerpoint/2010/main" val="2324441626"/>
       </p:ext>
     </p:extLst>
   </p:cSld>
@@ -56206,9 +56293,10 @@
           <a:bodyPr/>
           <a:lstStyle/>
           <a:p>
-            <a:r>
-              <a:rPr lang="en-US" sz="2800" dirty="0"/>
-              <a:t>Wrapping Up</a:t>
+            <a:pPr algn="ctr"/>
+            <a:r>
+              <a:rPr lang="en-US" sz="2400" dirty="0"/>
+              <a:t>Demos and Discussions</a:t>
             </a:r>
           </a:p>
         </p:txBody>
@@ -56239,74 +56327,61 @@
             </a:pPr>
             <a:r>
               <a:rPr lang="en-US" sz="2000" b="1" dirty="0"/>
-              <a:t>So what did we learn?</a:t>
-            </a:r>
+              <a:t>Over to you</a:t>
+            </a:r>
+          </a:p>
+          <a:p>
+            <a:pPr marL="0" indent="0">
+              <a:buNone/>
+            </a:pPr>
+            <a:r>
+              <a:rPr lang="en-US" sz="2000" dirty="0"/>
+              <a:t>For the rest of the afternoon, we can look at any other elements of AVD that you want to cover.</a:t>
+            </a:r>
+          </a:p>
+          <a:p>
+            <a:pPr marL="0" indent="0">
+              <a:buNone/>
+            </a:pPr>
+            <a:r>
+              <a:rPr lang="en-US" sz="2000" dirty="0"/>
+              <a:t>Examples include:</a:t>
+            </a:r>
+          </a:p>
+          <a:p>
+            <a:r>
+              <a:rPr lang="en-US" sz="2000" dirty="0"/>
+              <a:t>Using a DevOps pipeline to deploy your code</a:t>
+            </a:r>
+          </a:p>
+          <a:p>
+            <a:r>
+              <a:rPr lang="en-US" sz="2000" dirty="0" err="1"/>
+              <a:t>FSLogix</a:t>
+            </a:r>
+            <a:endParaRPr lang="en-US" sz="2000" dirty="0"/>
+          </a:p>
+          <a:p>
+            <a:r>
+              <a:rPr lang="en-US" sz="2000" dirty="0"/>
+              <a:t>Walk through of the full code base</a:t>
+            </a:r>
+          </a:p>
+          <a:p>
+            <a:endParaRPr lang="en-US" sz="2000" dirty="0"/>
+          </a:p>
+          <a:p>
+            <a:pPr marL="0" indent="0">
+              <a:buNone/>
+            </a:pPr>
+            <a:endParaRPr lang="en-US" sz="2000" dirty="0"/>
           </a:p>
           <a:p>
             <a:pPr marL="457200" indent="-457200">
               <a:buFont typeface="+mj-lt"/>
               <a:buAutoNum type="arabicPeriod"/>
             </a:pPr>
-            <a:r>
-              <a:rPr lang="en-US" sz="2000" dirty="0"/>
-              <a:t>The structure of a typical AVD deployment</a:t>
-            </a:r>
-          </a:p>
-          <a:p>
-            <a:pPr marL="457200" indent="-457200">
-              <a:buFont typeface="+mj-lt"/>
-              <a:buAutoNum type="arabicPeriod"/>
-            </a:pPr>
-            <a:r>
-              <a:rPr lang="en-US" sz="2000" dirty="0"/>
-              <a:t>The required resources to make it work</a:t>
-            </a:r>
-          </a:p>
-          <a:p>
-            <a:pPr marL="457200" indent="-457200">
-              <a:buFont typeface="+mj-lt"/>
-              <a:buAutoNum type="arabicPeriod"/>
-            </a:pPr>
-            <a:r>
-              <a:rPr lang="en-US" sz="2000" dirty="0"/>
-              <a:t>The </a:t>
-            </a:r>
-            <a:r>
-              <a:rPr lang="en-US" sz="2000" dirty="0" err="1"/>
-              <a:t>IaC</a:t>
-            </a:r>
-            <a:r>
-              <a:rPr lang="en-US" sz="2000" dirty="0"/>
-              <a:t> Bicep content for each resource</a:t>
-            </a:r>
-          </a:p>
-          <a:p>
-            <a:pPr marL="457200" indent="-457200">
-              <a:buFont typeface="+mj-lt"/>
-              <a:buAutoNum type="arabicPeriod"/>
-            </a:pPr>
-            <a:r>
-              <a:rPr lang="en-US" sz="2000" dirty="0"/>
-              <a:t>How all that Bicep code work together</a:t>
-            </a:r>
-          </a:p>
-          <a:p>
-            <a:pPr marL="457200" indent="-457200">
-              <a:buFont typeface="+mj-lt"/>
-              <a:buAutoNum type="arabicPeriod"/>
-            </a:pPr>
-            <a:r>
-              <a:rPr lang="en-US" sz="2000" dirty="0"/>
-              <a:t>How to deploy it all using a </a:t>
-            </a:r>
-            <a:r>
-              <a:rPr lang="en-US" sz="2000" dirty="0" err="1"/>
-              <a:t>powershell</a:t>
-            </a:r>
-            <a:r>
-              <a:rPr lang="en-US" sz="2000" dirty="0"/>
-              <a:t> script</a:t>
-            </a:r>
+            <a:endParaRPr lang="en-US" sz="2000" dirty="0"/>
           </a:p>
           <a:p>
             <a:pPr marL="0" indent="0">
@@ -56319,7 +56394,7 @@
     </p:spTree>
     <p:extLst>
       <p:ext uri="{BB962C8B-B14F-4D97-AF65-F5344CB8AC3E}">
-        <p14:creationId xmlns:p14="http://schemas.microsoft.com/office/powerpoint/2010/main" val="4198896886"/>
+        <p14:creationId xmlns:p14="http://schemas.microsoft.com/office/powerpoint/2010/main" val="925315993"/>
       </p:ext>
     </p:extLst>
   </p:cSld>
@@ -56380,6 +56455,283 @@
             <a:pPr algn="ctr"/>
             <a:r>
               <a:rPr lang="en-US" sz="2800" dirty="0"/>
+              <a:t>Break</a:t>
+            </a:r>
+            <a:br>
+              <a:rPr lang="en-US" sz="2800" dirty="0"/>
+            </a:br>
+            <a:r>
+              <a:rPr lang="en-US" sz="2800" dirty="0"/>
+              <a:t>Back in 15 mins</a:t>
+            </a:r>
+          </a:p>
+        </p:txBody>
+      </p:sp>
+      <p:sp>
+        <p:nvSpPr>
+          <p:cNvPr id="3" name="Text Placeholder 2">
+            <a:extLst>
+              <a:ext uri="{FF2B5EF4-FFF2-40B4-BE49-F238E27FC236}">
+                <a16:creationId xmlns:a16="http://schemas.microsoft.com/office/drawing/2014/main" id="{E243B9F1-DC42-0949-BC92-F7DEEDE03CC7}"/>
+              </a:ext>
+            </a:extLst>
+          </p:cNvPr>
+          <p:cNvSpPr>
+            <a:spLocks noGrp="1"/>
+          </p:cNvSpPr>
+          <p:nvPr>
+            <p:ph type="body" sz="quarter" idx="11"/>
+          </p:nvPr>
+        </p:nvSpPr>
+        <p:spPr/>
+        <p:txBody>
+          <a:bodyPr tIns="0" anchor="ctr">
+            <a:noAutofit/>
+          </a:bodyPr>
+          <a:lstStyle/>
+          <a:p>
+            <a:r>
+              <a:rPr lang="en-GB" sz="2000" dirty="0"/>
+              <a:t>"Using Azure Bicep is like a carpenter using power tools for the first time. It can be scary at first, but once you get the hang of it, you'll wonder how you ever managed without it. And just like with power tools, you'll want to make sure you wear your safety glasses and have a first-aid kit handy!“</a:t>
+            </a:r>
+          </a:p>
+          <a:p>
+            <a:r>
+              <a:rPr lang="en-GB" sz="1400" dirty="0"/>
+              <a:t>Mark Russinovich, CTO of Microsoft Azure</a:t>
+            </a:r>
+            <a:endParaRPr lang="en-GB" sz="2000" dirty="0"/>
+          </a:p>
+        </p:txBody>
+      </p:sp>
+    </p:spTree>
+    <p:extLst>
+      <p:ext uri="{BB962C8B-B14F-4D97-AF65-F5344CB8AC3E}">
+        <p14:creationId xmlns:p14="http://schemas.microsoft.com/office/powerpoint/2010/main" val="3474494383"/>
+      </p:ext>
+    </p:extLst>
+  </p:cSld>
+  <p:clrMapOvr>
+    <a:masterClrMapping/>
+  </p:clrMapOvr>
+  <p:transition>
+    <p:fade/>
+  </p:transition>
+</p:sld>
+</file>
+
+<file path=ppt/slides/slide16.xml><?xml version="1.0" encoding="utf-8"?>
+<p:sld xmlns:a="http://schemas.openxmlformats.org/drawingml/2006/main" xmlns:r="http://schemas.openxmlformats.org/officeDocument/2006/relationships" xmlns:p="http://schemas.openxmlformats.org/presentationml/2006/main">
+  <p:cSld>
+    <p:spTree>
+      <p:nvGrpSpPr>
+        <p:cNvPr id="1" name=""/>
+        <p:cNvGrpSpPr/>
+        <p:nvPr/>
+      </p:nvGrpSpPr>
+      <p:grpSpPr>
+        <a:xfrm>
+          <a:off x="0" y="0"/>
+          <a:ext cx="0" cy="0"/>
+          <a:chOff x="0" y="0"/>
+          <a:chExt cx="0" cy="0"/>
+        </a:xfrm>
+      </p:grpSpPr>
+      <p:sp>
+        <p:nvSpPr>
+          <p:cNvPr id="2" name="Title 1">
+            <a:extLst>
+              <a:ext uri="{FF2B5EF4-FFF2-40B4-BE49-F238E27FC236}">
+                <a16:creationId xmlns:a16="http://schemas.microsoft.com/office/drawing/2014/main" id="{2731C5BF-2587-AA43-8D00-4B95D90A112D}"/>
+              </a:ext>
+            </a:extLst>
+          </p:cNvPr>
+          <p:cNvSpPr>
+            <a:spLocks noGrp="1"/>
+          </p:cNvSpPr>
+          <p:nvPr>
+            <p:ph type="title"/>
+          </p:nvPr>
+        </p:nvSpPr>
+        <p:spPr/>
+        <p:txBody>
+          <a:bodyPr/>
+          <a:lstStyle/>
+          <a:p>
+            <a:r>
+              <a:rPr lang="en-US" sz="2800" dirty="0"/>
+              <a:t>Wrapping Up</a:t>
+            </a:r>
+          </a:p>
+        </p:txBody>
+      </p:sp>
+      <p:sp>
+        <p:nvSpPr>
+          <p:cNvPr id="3" name="Text Placeholder 2">
+            <a:extLst>
+              <a:ext uri="{FF2B5EF4-FFF2-40B4-BE49-F238E27FC236}">
+                <a16:creationId xmlns:a16="http://schemas.microsoft.com/office/drawing/2014/main" id="{F39D18C1-892E-774C-A583-DD3BE9301A12}"/>
+              </a:ext>
+            </a:extLst>
+          </p:cNvPr>
+          <p:cNvSpPr>
+            <a:spLocks noGrp="1"/>
+          </p:cNvSpPr>
+          <p:nvPr>
+            <p:ph type="body" sz="quarter" idx="11"/>
+          </p:nvPr>
+        </p:nvSpPr>
+        <p:spPr/>
+        <p:txBody>
+          <a:bodyPr/>
+          <a:lstStyle/>
+          <a:p>
+            <a:pPr marL="0" indent="0">
+              <a:buNone/>
+            </a:pPr>
+            <a:r>
+              <a:rPr lang="en-US" sz="2000" b="1" dirty="0"/>
+              <a:t>So what did we learn?</a:t>
+            </a:r>
+          </a:p>
+          <a:p>
+            <a:pPr marL="457200" indent="-457200">
+              <a:buFont typeface="+mj-lt"/>
+              <a:buAutoNum type="arabicPeriod"/>
+            </a:pPr>
+            <a:r>
+              <a:rPr lang="en-US" sz="2000" dirty="0"/>
+              <a:t>The structure of a typical AVD deployment</a:t>
+            </a:r>
+          </a:p>
+          <a:p>
+            <a:pPr marL="457200" indent="-457200">
+              <a:buFont typeface="+mj-lt"/>
+              <a:buAutoNum type="arabicPeriod"/>
+            </a:pPr>
+            <a:r>
+              <a:rPr lang="en-US" sz="2000" dirty="0"/>
+              <a:t>The required resources to make it work</a:t>
+            </a:r>
+          </a:p>
+          <a:p>
+            <a:pPr marL="457200" indent="-457200">
+              <a:buFont typeface="+mj-lt"/>
+              <a:buAutoNum type="arabicPeriod"/>
+            </a:pPr>
+            <a:r>
+              <a:rPr lang="en-US" sz="2000" dirty="0"/>
+              <a:t>The </a:t>
+            </a:r>
+            <a:r>
+              <a:rPr lang="en-US" sz="2000" dirty="0" err="1"/>
+              <a:t>IaC</a:t>
+            </a:r>
+            <a:r>
+              <a:rPr lang="en-US" sz="2000" dirty="0"/>
+              <a:t> Bicep content for each resource</a:t>
+            </a:r>
+          </a:p>
+          <a:p>
+            <a:pPr marL="457200" indent="-457200">
+              <a:buFont typeface="+mj-lt"/>
+              <a:buAutoNum type="arabicPeriod"/>
+            </a:pPr>
+            <a:r>
+              <a:rPr lang="en-US" sz="2000" dirty="0"/>
+              <a:t>How all that Bicep code work together</a:t>
+            </a:r>
+          </a:p>
+          <a:p>
+            <a:pPr marL="457200" indent="-457200">
+              <a:buFont typeface="+mj-lt"/>
+              <a:buAutoNum type="arabicPeriod"/>
+            </a:pPr>
+            <a:r>
+              <a:rPr lang="en-US" sz="2000" dirty="0"/>
+              <a:t>How to deploy it all using a </a:t>
+            </a:r>
+            <a:r>
+              <a:rPr lang="en-US" sz="2000" dirty="0" err="1"/>
+              <a:t>powershell</a:t>
+            </a:r>
+            <a:r>
+              <a:rPr lang="en-US" sz="2000" dirty="0"/>
+              <a:t> script</a:t>
+            </a:r>
+          </a:p>
+          <a:p>
+            <a:pPr marL="0" indent="0">
+              <a:buNone/>
+            </a:pPr>
+            <a:endParaRPr lang="en-US" sz="2000" dirty="0"/>
+          </a:p>
+        </p:txBody>
+      </p:sp>
+    </p:spTree>
+    <p:extLst>
+      <p:ext uri="{BB962C8B-B14F-4D97-AF65-F5344CB8AC3E}">
+        <p14:creationId xmlns:p14="http://schemas.microsoft.com/office/powerpoint/2010/main" val="4198896886"/>
+      </p:ext>
+    </p:extLst>
+  </p:cSld>
+  <p:clrMapOvr>
+    <a:masterClrMapping/>
+  </p:clrMapOvr>
+  <p:transition>
+    <p:fade/>
+  </p:transition>
+</p:sld>
+</file>
+
+<file path=ppt/slides/slide17.xml><?xml version="1.0" encoding="utf-8"?>
+<p:sld xmlns:a="http://schemas.openxmlformats.org/drawingml/2006/main" xmlns:r="http://schemas.openxmlformats.org/officeDocument/2006/relationships" xmlns:p="http://schemas.openxmlformats.org/presentationml/2006/main">
+  <p:cSld>
+    <p:spTree>
+      <p:nvGrpSpPr>
+        <p:cNvPr id="1" name=""/>
+        <p:cNvGrpSpPr/>
+        <p:nvPr/>
+      </p:nvGrpSpPr>
+      <p:grpSpPr>
+        <a:xfrm>
+          <a:off x="0" y="0"/>
+          <a:ext cx="0" cy="0"/>
+          <a:chOff x="0" y="0"/>
+          <a:chExt cx="0" cy="0"/>
+        </a:xfrm>
+      </p:grpSpPr>
+      <p:sp>
+        <p:nvSpPr>
+          <p:cNvPr id="2" name="Title 1">
+            <a:extLst>
+              <a:ext uri="{FF2B5EF4-FFF2-40B4-BE49-F238E27FC236}">
+                <a16:creationId xmlns:a16="http://schemas.microsoft.com/office/drawing/2014/main" id="{E9669AEF-D865-0342-AB7E-7902F83D5504}"/>
+              </a:ext>
+            </a:extLst>
+          </p:cNvPr>
+          <p:cNvSpPr>
+            <a:spLocks noGrp="1"/>
+          </p:cNvSpPr>
+          <p:nvPr>
+            <p:ph type="title"/>
+          </p:nvPr>
+        </p:nvSpPr>
+        <p:spPr>
+          <a:xfrm>
+            <a:off x="588263" y="585788"/>
+            <a:ext cx="4894962" cy="5683250"/>
+          </a:xfrm>
+        </p:spPr>
+        <p:txBody>
+          <a:bodyPr anchor="ctr">
+            <a:noAutofit/>
+          </a:bodyPr>
+          <a:lstStyle/>
+          <a:p>
+            <a:pPr algn="ctr"/>
+            <a:r>
+              <a:rPr lang="en-US" sz="2800" dirty="0"/>
               <a:t>Questions?</a:t>
             </a:r>
           </a:p>
@@ -56444,7 +56796,7 @@
 </p:sld>
 </file>
 
-<file path=ppt/slides/slide16.xml><?xml version="1.0" encoding="utf-8"?>
+<file path=ppt/slides/slide18.xml><?xml version="1.0" encoding="utf-8"?>
 <p:sld xmlns:a="http://schemas.openxmlformats.org/drawingml/2006/main" xmlns:r="http://schemas.openxmlformats.org/officeDocument/2006/relationships" xmlns:p="http://schemas.openxmlformats.org/presentationml/2006/main">
   <p:cSld>
     <p:spTree>
@@ -58181,7 +58533,7 @@
           <a:p>
             <a:r>
               <a:rPr lang="en-US" sz="2800" dirty="0"/>
-              <a:t>Base Infrastructure</a:t>
+              <a:t>Lab 2 - Base Infrastructure</a:t>
             </a:r>
           </a:p>
         </p:txBody>
@@ -58401,7 +58753,7 @@
           <a:p>
             <a:r>
               <a:rPr lang="en-US" sz="2800" dirty="0"/>
-              <a:t>AVD Infrastructure</a:t>
+              <a:t>Lab 3 - AVD Infrastructure</a:t>
             </a:r>
           </a:p>
         </p:txBody>
@@ -58434,7 +58786,15 @@
               <a:rPr lang="en-US" sz="2000" b="1" dirty="0"/>
               <a:t>And now onto the main event</a:t>
             </a:r>
-            <a:endParaRPr lang="en-US" sz="2000" dirty="0"/>
+          </a:p>
+          <a:p>
+            <a:pPr marL="0" indent="0">
+              <a:buNone/>
+            </a:pPr>
+            <a:r>
+              <a:rPr lang="en-US" sz="2000" dirty="0"/>
+              <a:t>In this lab we will build out and deploy the main components required for an AVD service including:</a:t>
+            </a:r>
           </a:p>
           <a:p>
             <a:pPr marL="457200" indent="-457200">
@@ -58465,43 +58825,6 @@
               <a:rPr lang="en-US" sz="2000" dirty="0"/>
               <a:t>AVD Application Group</a:t>
             </a:r>
-          </a:p>
-          <a:p>
-            <a:pPr marL="457200" indent="-457200">
-              <a:buFont typeface="+mj-lt"/>
-              <a:buAutoNum type="arabicPeriod"/>
-            </a:pPr>
-            <a:r>
-              <a:rPr lang="en-US" sz="2000" dirty="0"/>
-              <a:t>Connecting it to AD / AADDS</a:t>
-            </a:r>
-          </a:p>
-          <a:p>
-            <a:pPr marL="457200" indent="-457200">
-              <a:buFont typeface="+mj-lt"/>
-              <a:buAutoNum type="arabicPeriod"/>
-            </a:pPr>
-            <a:r>
-              <a:rPr lang="en-US" sz="2000" dirty="0"/>
-              <a:t>Deploying some Hosts</a:t>
-            </a:r>
-          </a:p>
-          <a:p>
-            <a:pPr marL="457200" indent="-457200">
-              <a:buFont typeface="+mj-lt"/>
-              <a:buAutoNum type="arabicPeriod"/>
-            </a:pPr>
-            <a:r>
-              <a:rPr lang="en-US" sz="2000" dirty="0"/>
-              <a:t>Logging in</a:t>
-            </a:r>
-          </a:p>
-          <a:p>
-            <a:pPr marL="457200" indent="-457200">
-              <a:buFont typeface="+mj-lt"/>
-              <a:buAutoNum type="arabicPeriod"/>
-            </a:pPr>
-            <a:endParaRPr lang="en-US" sz="2000" dirty="0"/>
           </a:p>
           <a:p>
             <a:pPr marL="0" indent="0">
@@ -59607,13 +59930,12 @@
 </file>
 
 <file path=customXml/item1.xml><?xml version="1.0" encoding="utf-8"?>
-<p:properties xmlns:p="http://schemas.microsoft.com/office/2006/metadata/properties" xmlns:xsi="http://www.w3.org/2001/XMLSchema-instance" xmlns:pc="http://schemas.microsoft.com/office/infopath/2007/PartnerControls">
-  <documentManagement>
-    <_ip_UnifiedCompliancePolicyUIAction xmlns="http://schemas.microsoft.com/sharepoint/v3" xsi:nil="true"/>
-    <MediaServiceKeyPoints xmlns="492b655a-ec86-4731-b25e-ce4ddeb8f50a" xsi:nil="true"/>
-    <_ip_UnifiedCompliancePolicyProperties xmlns="http://schemas.microsoft.com/sharepoint/v3" xsi:nil="true"/>
-  </documentManagement>
-</p:properties>
+<?mso-contentType ?>
+<FormTemplates xmlns="http://schemas.microsoft.com/sharepoint/v3/contenttype/forms">
+  <Display>DocumentLibraryForm</Display>
+  <Edit>DocumentLibraryForm</Edit>
+  <New>DocumentLibraryForm</New>
+</FormTemplates>
 </file>
 
 <file path=customXml/item2.xml><?xml version="1.0" encoding="utf-8"?>
@@ -59857,21 +60179,19 @@
 </file>
 
 <file path=customXml/item3.xml><?xml version="1.0" encoding="utf-8"?>
-<?mso-contentType ?>
-<FormTemplates xmlns="http://schemas.microsoft.com/sharepoint/v3/contenttype/forms">
-  <Display>DocumentLibraryForm</Display>
-  <Edit>DocumentLibraryForm</Edit>
-  <New>DocumentLibraryForm</New>
-</FormTemplates>
+<p:properties xmlns:p="http://schemas.microsoft.com/office/2006/metadata/properties" xmlns:xsi="http://www.w3.org/2001/XMLSchema-instance" xmlns:pc="http://schemas.microsoft.com/office/infopath/2007/PartnerControls">
+  <documentManagement>
+    <_ip_UnifiedCompliancePolicyUIAction xmlns="http://schemas.microsoft.com/sharepoint/v3" xsi:nil="true"/>
+    <MediaServiceKeyPoints xmlns="492b655a-ec86-4731-b25e-ce4ddeb8f50a" xsi:nil="true"/>
+    <_ip_UnifiedCompliancePolicyProperties xmlns="http://schemas.microsoft.com/sharepoint/v3" xsi:nil="true"/>
+  </documentManagement>
+</p:properties>
 </file>
 
 <file path=customXml/itemProps1.xml><?xml version="1.0" encoding="utf-8"?>
-<ds:datastoreItem xmlns:ds="http://schemas.openxmlformats.org/officeDocument/2006/customXml" ds:itemID="{561B1131-15CA-429C-B875-56F79CD6C674}">
+<ds:datastoreItem xmlns:ds="http://schemas.openxmlformats.org/officeDocument/2006/customXml" ds:itemID="{80773F8E-CD3C-401D-81D0-68F54DCC798C}">
   <ds:schemaRefs>
-    <ds:schemaRef ds:uri="http://schemas.microsoft.com/office/2006/metadata/properties"/>
-    <ds:schemaRef ds:uri="http://schemas.microsoft.com/office/infopath/2007/PartnerControls"/>
-    <ds:schemaRef ds:uri="http://schemas.microsoft.com/sharepoint/v3"/>
-    <ds:schemaRef ds:uri="492b655a-ec86-4731-b25e-ce4ddeb8f50a"/>
+    <ds:schemaRef ds:uri="http://schemas.microsoft.com/sharepoint/v3/contenttype/forms"/>
   </ds:schemaRefs>
 </ds:datastoreItem>
 </file>
@@ -59897,9 +60217,12 @@
 </file>
 
 <file path=customXml/itemProps3.xml><?xml version="1.0" encoding="utf-8"?>
-<ds:datastoreItem xmlns:ds="http://schemas.openxmlformats.org/officeDocument/2006/customXml" ds:itemID="{80773F8E-CD3C-401D-81D0-68F54DCC798C}">
+<ds:datastoreItem xmlns:ds="http://schemas.openxmlformats.org/officeDocument/2006/customXml" ds:itemID="{561B1131-15CA-429C-B875-56F79CD6C674}">
   <ds:schemaRefs>
-    <ds:schemaRef ds:uri="http://schemas.microsoft.com/sharepoint/v3/contenttype/forms"/>
+    <ds:schemaRef ds:uri="http://schemas.microsoft.com/office/2006/metadata/properties"/>
+    <ds:schemaRef ds:uri="http://schemas.microsoft.com/office/infopath/2007/PartnerControls"/>
+    <ds:schemaRef ds:uri="http://schemas.microsoft.com/sharepoint/v3"/>
+    <ds:schemaRef ds:uri="492b655a-ec86-4731-b25e-ce4ddeb8f50a"/>
   </ds:schemaRefs>
 </ds:datastoreItem>
 </file>
